--- a/[Jack Surine] Report Presentation-Guided Capstone.pptx
+++ b/[Jack Surine] Report Presentation-Guided Capstone.pptx
@@ -247,7 +247,7 @@
           </a:bodyPr>
           <a:p>
             <a:pPr algn="r"/>
-            <a:fld id="{C2CAB04F-A9EF-4A0B-9A7F-BCC740E7C01E}" type="slidenum">
+            <a:fld id="{46D2E37E-A712-4F7F-9BEA-69D2E3E9AAF9}" type="slidenum">
               <a:rPr b="0" lang="en-US" sz="1400" spc="-1" strike="noStrike">
                 <a:latin typeface="Times New Roman"/>
               </a:rPr>
@@ -317,7 +317,7 @@
                 <a:spcPct val="100000"/>
               </a:lnSpc>
             </a:pPr>
-            <a:fld id="{27D76B55-1B3E-4B69-A76C-AC4326F6EBB5}" type="slidenum">
+            <a:fld id="{4998D83C-B9D1-4364-998D-E424F2977333}" type="slidenum">
               <a:rPr b="0" lang="en-AU" sz="1800" spc="-1" strike="noStrike">
                 <a:solidFill>
                   <a:srgbClr val="000000"/>
@@ -815,7 +815,7 @@
                 <a:spcPct val="100000"/>
               </a:lnSpc>
             </a:pPr>
-            <a:fld id="{D8B19472-492D-4F8A-ABA7-EBB03C9BB816}" type="slidenum">
+            <a:fld id="{D0F1DFFB-344F-4623-ACE5-66F2E707CF16}" type="slidenum">
               <a:rPr b="0" lang="en-AU" sz="1800" spc="-1" strike="noStrike">
                 <a:solidFill>
                   <a:srgbClr val="000000"/>

--- a/[Jack Surine] Report Presentation-Guided Capstone.pptx
+++ b/[Jack Surine] Report Presentation-Guided Capstone.pptx
@@ -247,7 +247,7 @@
           </a:bodyPr>
           <a:p>
             <a:pPr algn="r"/>
-            <a:fld id="{46D2E37E-A712-4F7F-9BEA-69D2E3E9AAF9}" type="slidenum">
+            <a:fld id="{DC62D133-3D6D-47C2-B752-E7D29E8EF04E}" type="slidenum">
               <a:rPr b="0" lang="en-US" sz="1400" spc="-1" strike="noStrike">
                 <a:latin typeface="Times New Roman"/>
               </a:rPr>
@@ -317,7 +317,7 @@
                 <a:spcPct val="100000"/>
               </a:lnSpc>
             </a:pPr>
-            <a:fld id="{4998D83C-B9D1-4364-998D-E424F2977333}" type="slidenum">
+            <a:fld id="{DA473594-9DF6-4074-BF34-9F564506C1AA}" type="slidenum">
               <a:rPr b="0" lang="en-AU" sz="1800" spc="-1" strike="noStrike">
                 <a:solidFill>
                   <a:srgbClr val="000000"/>
@@ -815,7 +815,7 @@
                 <a:spcPct val="100000"/>
               </a:lnSpc>
             </a:pPr>
-            <a:fld id="{D0F1DFFB-344F-4623-ACE5-66F2E707CF16}" type="slidenum">
+            <a:fld id="{38F2F55D-F250-4851-8507-4F2AAB2A1357}" type="slidenum">
               <a:rPr b="0" lang="en-AU" sz="1800" spc="-1" strike="noStrike">
                 <a:solidFill>
                   <a:srgbClr val="000000"/>
@@ -7029,7 +7029,7 @@
               <a:rPr b="0" lang="en-US" sz="1800" spc="-1" strike="noStrike">
                 <a:latin typeface="Arial"/>
               </a:rPr>
-              <a:t>Increase the ticket price by $6.00 to $87.00.</a:t>
+              <a:t>Git sIncrease the ticket price by $6.00 to $87.00.</a:t>
             </a:r>
             <a:endParaRPr b="0" lang="en-US" sz="1800" spc="-1" strike="noStrike">
               <a:latin typeface="Arial"/>
